--- a/Design Stuff/Narrativ/Masken/Happy Maske.pptx
+++ b/Design Stuff/Narrativ/Masken/Happy Maske.pptx
@@ -276,7 +276,7 @@
       </p15:sldGuideLst>
     </p:ext>
     <p:ext uri="GoogleSlidesCustomDataVersion2">
-      <go:slidesCustomData xmlns:go="http://customooxmlschemas.google.com/" xmlns:ahyp="http://schemas.microsoft.com/office/drawing/2018/hyperlinkcolor" xmlns:p15="http://schemas.microsoft.com/office/powerpoint/2012/main" xmlns:p14="http://schemas.microsoft.com/office/powerpoint/2010/main" xmlns:com="http://schemas.openxmlformats.org/drawingml/2006/compatibility" xmlns:pvml="urn:schemas-microsoft-com:office:powerpoint" xmlns:v="urn:schemas-microsoft-com:vml" xmlns:o="urn:schemas-microsoft-com:office:office" xmlns:dgm="http://schemas.openxmlformats.org/drawingml/2006/diagram" xmlns:c="http://schemas.openxmlformats.org/drawingml/2006/chart" xmlns:mv="urn:schemas-microsoft-com:mac:vml" xmlns:mc="http://schemas.openxmlformats.org/markup-compatibility/2006" xmlns="" r:id="rId22" roundtripDataSignature="AMtx7mjTz30nbRXKs5E3vrOIH3TGAJARHw=="/>
+      <go:slidesCustomData xmlns="" xmlns:mc="http://schemas.openxmlformats.org/markup-compatibility/2006" xmlns:mv="urn:schemas-microsoft-com:mac:vml" xmlns:c="http://schemas.openxmlformats.org/drawingml/2006/chart" xmlns:dgm="http://schemas.openxmlformats.org/drawingml/2006/diagram" xmlns:o="urn:schemas-microsoft-com:office:office" xmlns:v="urn:schemas-microsoft-com:vml" xmlns:pvml="urn:schemas-microsoft-com:office:powerpoint" xmlns:com="http://schemas.openxmlformats.org/drawingml/2006/compatibility" xmlns:p14="http://schemas.microsoft.com/office/powerpoint/2010/main" xmlns:p15="http://schemas.microsoft.com/office/powerpoint/2012/main" xmlns:ahyp="http://schemas.microsoft.com/office/drawing/2018/hyperlinkcolor" xmlns:go="http://customooxmlschemas.google.com/" r:id="rId22" roundtripDataSignature="AMtx7mjTz30nbRXKs5E3vrOIH3TGAJARHw=="/>
     </p:ext>
   </p:extLst>
 </p:presentation>

--- a/Design Stuff/Narrativ/Masken/Happy Maske.pptx
+++ b/Design Stuff/Narrativ/Masken/Happy Maske.pptx
@@ -276,7 +276,7 @@
       </p15:sldGuideLst>
     </p:ext>
     <p:ext uri="GoogleSlidesCustomDataVersion2">
-      <go:slidesCustomData xmlns="" xmlns:mc="http://schemas.openxmlformats.org/markup-compatibility/2006" xmlns:mv="urn:schemas-microsoft-com:mac:vml" xmlns:c="http://schemas.openxmlformats.org/drawingml/2006/chart" xmlns:dgm="http://schemas.openxmlformats.org/drawingml/2006/diagram" xmlns:o="urn:schemas-microsoft-com:office:office" xmlns:v="urn:schemas-microsoft-com:vml" xmlns:pvml="urn:schemas-microsoft-com:office:powerpoint" xmlns:com="http://schemas.openxmlformats.org/drawingml/2006/compatibility" xmlns:p14="http://schemas.microsoft.com/office/powerpoint/2010/main" xmlns:p15="http://schemas.microsoft.com/office/powerpoint/2012/main" xmlns:ahyp="http://schemas.microsoft.com/office/drawing/2018/hyperlinkcolor" xmlns:go="http://customooxmlschemas.google.com/" r:id="rId22" roundtripDataSignature="AMtx7mjTz30nbRXKs5E3vrOIH3TGAJARHw=="/>
+      <go:slidesCustomData xmlns:go="http://customooxmlschemas.google.com/" xmlns:ahyp="http://schemas.microsoft.com/office/drawing/2018/hyperlinkcolor" xmlns:p15="http://schemas.microsoft.com/office/powerpoint/2012/main" xmlns:p14="http://schemas.microsoft.com/office/powerpoint/2010/main" xmlns:com="http://schemas.openxmlformats.org/drawingml/2006/compatibility" xmlns:pvml="urn:schemas-microsoft-com:office:powerpoint" xmlns:v="urn:schemas-microsoft-com:vml" xmlns:o="urn:schemas-microsoft-com:office:office" xmlns:dgm="http://schemas.openxmlformats.org/drawingml/2006/diagram" xmlns:c="http://schemas.openxmlformats.org/drawingml/2006/chart" xmlns:mv="urn:schemas-microsoft-com:mac:vml" xmlns:mc="http://schemas.openxmlformats.org/markup-compatibility/2006" xmlns="" r:id="rId22" roundtripDataSignature="AMtx7mjTz30nbRXKs5E3vrOIH3TGAJARHw=="/>
     </p:ext>
   </p:extLst>
 </p:presentation>

--- a/Design Stuff/Narrativ/Masken/Happy Maske.pptx
+++ b/Design Stuff/Narrativ/Masken/Happy Maske.pptx
@@ -134,6 +134,11 @@
       </a:defRPr>
     </a:lvl9pPr>
   </p:defaultTextStyle>
+  <p:extLst>
+    <p:ext uri="{EFAFB233-063F-42B5-8137-9DF3F51BA10A}">
+      <p15:sldGuideLst xmlns:p15="http://schemas.microsoft.com/office/powerpoint/2012/main"/>
+    </p:ext>
+  </p:extLst>
 </p:presentation>
 </file>
 
@@ -445,7 +450,7 @@
                 </a:solidFill>
                 <a:latin typeface="Times New Roman"/>
               </a:rPr>
-              <a:t>‹Nr.›</a:t>
+              <a:t>‹#›</a:t>
             </a:fld>
             <a:endParaRPr lang="de-DE" sz="1400" b="0" strike="noStrike" spc="-1">
               <a:solidFill>
@@ -818,7 +823,7 @@
           <a:lstStyle/>
           <a:p>
             <a:fld id="{5FF88BAF-F58C-4627-9B71-BBD60AB01481}" type="slidenum">
-              <a:t>‹Nr.›</a:t>
+              <a:t>‹#›</a:t>
             </a:fld>
             <a:endParaRPr/>
           </a:p>
@@ -865,7 +870,7 @@
           <a:lstStyle/>
           <a:p>
             <a:fld id="{BCC3E535-9D38-4453-BA9B-FB392724E3FF}" type="slidenum">
-              <a:t>‹Nr.›</a:t>
+              <a:t>‹#›</a:t>
             </a:fld>
             <a:endParaRPr/>
           </a:p>
@@ -912,7 +917,7 @@
           <a:lstStyle/>
           <a:p>
             <a:fld id="{58D8CE25-7E86-4E4E-ADEE-992D6552AE6D}" type="slidenum">
-              <a:t>‹Nr.›</a:t>
+              <a:t>‹#›</a:t>
             </a:fld>
             <a:endParaRPr/>
           </a:p>
@@ -1062,7 +1067,7 @@
           <a:lstStyle/>
           <a:p>
             <a:fld id="{38F1CFCB-99D8-4BCE-91C2-1021C345F07E}" type="slidenum">
-              <a:t>‹Nr.›</a:t>
+              <a:t>‹#›</a:t>
             </a:fld>
             <a:endParaRPr/>
           </a:p>
@@ -1149,7 +1154,7 @@
           <a:lstStyle/>
           <a:p>
             <a:fld id="{A334CB3C-194E-44EA-8EB2-C0413F0D909A}" type="slidenum">
-              <a:t>‹Nr.›</a:t>
+              <a:t>‹#›</a:t>
             </a:fld>
             <a:endParaRPr/>
           </a:p>
@@ -1236,7 +1241,7 @@
           <a:lstStyle/>
           <a:p>
             <a:fld id="{863D265C-3734-4300-B980-9FD904B2F467}" type="slidenum">
-              <a:t>‹Nr.›</a:t>
+              <a:t>‹#›</a:t>
             </a:fld>
             <a:endParaRPr/>
           </a:p>
@@ -1323,7 +1328,7 @@
           <a:lstStyle/>
           <a:p>
             <a:fld id="{8A13D05E-9B03-467D-BF35-71E1E7FB5323}" type="slidenum">
-              <a:t>‹Nr.›</a:t>
+              <a:t>‹#›</a:t>
             </a:fld>
             <a:endParaRPr/>
           </a:p>
@@ -1410,7 +1415,7 @@
           <a:lstStyle/>
           <a:p>
             <a:fld id="{9D280EBD-643A-4C61-8F66-5AF5BC9B89E0}" type="slidenum">
-              <a:t>‹Nr.›</a:t>
+              <a:t>‹#›</a:t>
             </a:fld>
             <a:endParaRPr/>
           </a:p>
@@ -1497,7 +1502,7 @@
           <a:lstStyle/>
           <a:p>
             <a:fld id="{E50B67D4-BC06-4C55-8FE7-ADBA715EC332}" type="slidenum">
-              <a:t>‹Nr.›</a:t>
+              <a:t>‹#›</a:t>
             </a:fld>
             <a:endParaRPr/>
           </a:p>
@@ -1563,7 +1568,7 @@
           <a:lstStyle/>
           <a:p>
             <a:fld id="{35C6353F-62E9-4BAF-B34E-118FA47A86E8}" type="slidenum">
-              <a:t>‹Nr.›</a:t>
+              <a:t>‹#›</a:t>
             </a:fld>
             <a:endParaRPr/>
           </a:p>
@@ -1716,7 +1721,7 @@
           <a:lstStyle/>
           <a:p>
             <a:fld id="{BA30310E-FDFB-4621-A7BB-DFB17E382259}" type="slidenum">
-              <a:t>‹Nr.›</a:t>
+              <a:t>‹#›</a:t>
             </a:fld>
             <a:endParaRPr/>
           </a:p>
@@ -1782,7 +1787,7 @@
           <a:lstStyle/>
           <a:p>
             <a:fld id="{69F95062-3DB4-4B9B-BAB6-07952E23EBC2}" type="slidenum">
-              <a:t>‹Nr.›</a:t>
+              <a:t>‹#›</a:t>
             </a:fld>
             <a:endParaRPr/>
           </a:p>
@@ -1914,7 +1919,7 @@
           <a:lstStyle/>
           <a:p>
             <a:fld id="{CD544E45-0711-47C3-BDB1-217C9DABF79D}" type="slidenum">
-              <a:t>‹Nr.›</a:t>
+              <a:t>‹#›</a:t>
             </a:fld>
             <a:endParaRPr/>
           </a:p>
@@ -1982,7 +1987,7 @@
           <a:lstStyle/>
           <a:p>
             <a:fld id="{B16C8F33-7001-44CE-8ECD-4849EE2315FA}" type="slidenum">
-              <a:t>‹Nr.›</a:t>
+              <a:t>‹#›</a:t>
             </a:fld>
             <a:endParaRPr/>
           </a:p>
@@ -2198,7 +2203,7 @@
           <a:lstStyle/>
           <a:p>
             <a:fld id="{0EF7FFBA-606E-49FE-9B68-39F99C7831D4}" type="slidenum">
-              <a:t>‹Nr.›</a:t>
+              <a:t>‹#›</a:t>
             </a:fld>
             <a:endParaRPr/>
           </a:p>
@@ -2285,7 +2290,7 @@
           <a:lstStyle/>
           <a:p>
             <a:fld id="{A6263A24-BF3E-400E-829F-6016852291A5}" type="slidenum">
-              <a:t>‹Nr.›</a:t>
+              <a:t>‹#›</a:t>
             </a:fld>
             <a:endParaRPr/>
           </a:p>
@@ -2413,7 +2418,7 @@
           <a:lstStyle/>
           <a:p>
             <a:fld id="{5C091C33-7559-454E-B912-122E19872963}" type="slidenum">
-              <a:t>‹Nr.›</a:t>
+              <a:t>‹#›</a:t>
             </a:fld>
             <a:endParaRPr/>
           </a:p>
@@ -2479,7 +2484,7 @@
           <a:lstStyle/>
           <a:p>
             <a:fld id="{358EE982-EF58-4E0E-920C-3E472B515E9D}" type="slidenum">
-              <a:t>‹Nr.›</a:t>
+              <a:t>‹#›</a:t>
             </a:fld>
             <a:endParaRPr/>
           </a:p>
@@ -2526,7 +2531,7 @@
           <a:lstStyle/>
           <a:p>
             <a:fld id="{BA8A5775-86FE-4884-A2A0-C63F39DC0358}" type="slidenum">
-              <a:t>‹Nr.›</a:t>
+              <a:t>‹#›</a:t>
             </a:fld>
             <a:endParaRPr/>
           </a:p>
@@ -2658,7 +2663,7 @@
           <a:lstStyle/>
           <a:p>
             <a:fld id="{265B14A7-D2FE-4DB8-BC5D-C31F487DD5D0}" type="slidenum">
-              <a:t>‹Nr.›</a:t>
+              <a:t>‹#›</a:t>
             </a:fld>
             <a:endParaRPr/>
           </a:p>
@@ -2834,7 +2839,7 @@
           <a:lstStyle/>
           <a:p>
             <a:fld id="{B4FCBBB2-976D-4D0B-9F68-AA58E3C4A83E}" type="slidenum">
-              <a:t>‹Nr.›</a:t>
+              <a:t>‹#›</a:t>
             </a:fld>
             <a:endParaRPr/>
           </a:p>
@@ -2922,7 +2927,7 @@
           <a:lstStyle/>
           <a:p>
             <a:fld id="{7A808BC3-5924-41F0-BE3B-C2080781C411}" type="slidenum">
-              <a:t>‹Nr.›</a:t>
+              <a:t>‹#›</a:t>
             </a:fld>
             <a:endParaRPr/>
           </a:p>
@@ -2969,7 +2974,7 @@
           <a:lstStyle/>
           <a:p>
             <a:fld id="{D8D7C50B-A8A2-440E-AF87-28F96C03CEBF}" type="slidenum">
-              <a:t>‹Nr.›</a:t>
+              <a:t>‹#›</a:t>
             </a:fld>
             <a:endParaRPr/>
           </a:p>
@@ -3016,7 +3021,7 @@
           <a:lstStyle/>
           <a:p>
             <a:fld id="{CAA60C05-270F-48EF-94C0-EAF19BCFC7A6}" type="slidenum">
-              <a:t>‹Nr.›</a:t>
+              <a:t>‹#›</a:t>
             </a:fld>
             <a:endParaRPr/>
           </a:p>
@@ -3162,7 +3167,7 @@
                 <a:latin typeface="Arial"/>
                 <a:ea typeface="Arial"/>
               </a:rPr>
-              <a:t>‹Nr.›</a:t>
+              <a:t>‹#›</a:t>
             </a:fld>
             <a:endParaRPr lang="de-DE" sz="1000" b="0" strike="noStrike" spc="-1">
               <a:solidFill>
@@ -3835,7 +3840,7 @@
                 <a:latin typeface="Arial"/>
                 <a:ea typeface="Arial"/>
               </a:rPr>
-              <a:t>‹Nr.›</a:t>
+              <a:t>‹#›</a:t>
             </a:fld>
             <a:endParaRPr lang="de-DE" sz="1000" b="0" strike="noStrike" spc="-1">
               <a:solidFill>
@@ -4407,7 +4412,7 @@
                 <a:latin typeface="Arial"/>
                 <a:ea typeface="Arial"/>
               </a:rPr>
-              <a:t>‹Nr.›</a:t>
+              <a:t>‹#›</a:t>
             </a:fld>
             <a:endParaRPr lang="de-DE" sz="1000" b="0" strike="noStrike" spc="-1">
               <a:solidFill>
@@ -4947,7 +4952,7 @@
                 <a:latin typeface="Calibri"/>
                 <a:ea typeface="Calibri"/>
               </a:rPr>
-              <a:t>‹Nr.›</a:t>
+              <a:t>‹#›</a:t>
             </a:fld>
             <a:endParaRPr lang="de-DE" sz="900" b="0" strike="noStrike" spc="-1">
               <a:solidFill>
@@ -6039,7 +6044,7 @@
                 <a:latin typeface="Calibri"/>
                 <a:ea typeface="Calibri"/>
               </a:rPr>
-              <a:t>‹Nr.›</a:t>
+              <a:t>‹#›</a:t>
             </a:fld>
             <a:endParaRPr lang="de-DE" sz="900" b="0" strike="noStrike" spc="-1">
               <a:solidFill>
@@ -6947,7 +6952,7 @@
                 <a:latin typeface="Calibri"/>
                 <a:ea typeface="Calibri"/>
               </a:rPr>
-              <a:t>‹Nr.›</a:t>
+              <a:t>‹#›</a:t>
             </a:fld>
             <a:endParaRPr lang="de-DE" sz="900" b="0" strike="noStrike" spc="-1">
               <a:solidFill>
@@ -7671,7 +7676,7 @@
                 <a:latin typeface="Calibri"/>
                 <a:ea typeface="Calibri"/>
               </a:rPr>
-              <a:t>‹Nr.›</a:t>
+              <a:t>‹#›</a:t>
             </a:fld>
             <a:endParaRPr lang="de-DE" sz="900" b="0" strike="noStrike" spc="-1">
               <a:solidFill>
@@ -8395,7 +8400,7 @@
                 <a:latin typeface="Calibri"/>
                 <a:ea typeface="Calibri"/>
               </a:rPr>
-              <a:t>‹Nr.›</a:t>
+              <a:t>‹#›</a:t>
             </a:fld>
             <a:endParaRPr lang="de-DE" sz="900" b="0" strike="noStrike" spc="-1">
               <a:solidFill>
@@ -8891,7 +8896,7 @@
                 <a:latin typeface="Calibri"/>
                 <a:ea typeface="Calibri"/>
               </a:rPr>
-              <a:t>‹Nr.›</a:t>
+              <a:t>‹#›</a:t>
             </a:fld>
             <a:endParaRPr lang="de-DE" sz="900" b="0" strike="noStrike" spc="-1">
               <a:solidFill>
@@ -9551,7 +9556,7 @@
                 <a:latin typeface="Calibri"/>
                 <a:ea typeface="Calibri"/>
               </a:rPr>
-              <a:t>‹Nr.›</a:t>
+              <a:t>‹#›</a:t>
             </a:fld>
             <a:endParaRPr lang="de-DE" sz="900" b="0" strike="noStrike" spc="-1">
               <a:solidFill>
@@ -10275,7 +10280,7 @@
                 <a:latin typeface="Calibri"/>
                 <a:ea typeface="Calibri"/>
               </a:rPr>
-              <a:t>‹Nr.›</a:t>
+              <a:t>‹#›</a:t>
             </a:fld>
             <a:endParaRPr lang="de-DE" sz="900" b="0" strike="noStrike" spc="-1">
               <a:solidFill>
@@ -10901,7 +10906,7 @@
                 <a:latin typeface="Arial"/>
                 <a:ea typeface="Arial"/>
               </a:rPr>
-              <a:t>‹Nr.›</a:t>
+              <a:t>‹#›</a:t>
             </a:fld>
             <a:endParaRPr lang="de-DE" sz="1000" b="0" strike="noStrike" spc="-1">
               <a:solidFill>
@@ -11517,7 +11522,7 @@
                 <a:latin typeface="Calibri"/>
                 <a:ea typeface="Calibri"/>
               </a:rPr>
-              <a:t>‹Nr.›</a:t>
+              <a:t>‹#›</a:t>
             </a:fld>
             <a:endParaRPr lang="de-DE" sz="900" b="0" strike="noStrike" spc="-1">
               <a:solidFill>
@@ -12241,7 +12246,7 @@
                 <a:latin typeface="Calibri"/>
                 <a:ea typeface="Calibri"/>
               </a:rPr>
-              <a:t>‹Nr.›</a:t>
+              <a:t>‹#›</a:t>
             </a:fld>
             <a:endParaRPr lang="de-DE" sz="900" b="0" strike="noStrike" spc="-1">
               <a:solidFill>
@@ -13149,7 +13154,7 @@
                 <a:latin typeface="Calibri"/>
                 <a:ea typeface="Calibri"/>
               </a:rPr>
-              <a:t>‹Nr.›</a:t>
+              <a:t>‹#›</a:t>
             </a:fld>
             <a:endParaRPr lang="de-DE" sz="900" b="0" strike="noStrike" spc="-1">
               <a:solidFill>
@@ -14425,7 +14430,7 @@
                 <a:latin typeface="Calibri"/>
                 <a:ea typeface="Calibri"/>
               </a:rPr>
-              <a:t>‹Nr.›</a:t>
+              <a:t>‹#›</a:t>
             </a:fld>
             <a:endParaRPr lang="de-DE" sz="900" b="0" strike="noStrike" spc="-1">
               <a:solidFill>
@@ -14965,7 +14970,7 @@
                 <a:latin typeface="Calibri"/>
                 <a:ea typeface="Calibri"/>
               </a:rPr>
-              <a:t>‹Nr.›</a:t>
+              <a:t>‹#›</a:t>
             </a:fld>
             <a:endParaRPr lang="de-DE" sz="900" b="0" strike="noStrike" spc="-1">
               <a:solidFill>
@@ -15353,7 +15358,7 @@
                 <a:latin typeface="Arial"/>
                 <a:ea typeface="Arial"/>
               </a:rPr>
-              <a:t>‹Nr.›</a:t>
+              <a:t>‹#›</a:t>
             </a:fld>
             <a:endParaRPr lang="de-DE" sz="1000" b="0" strike="noStrike" spc="-1">
               <a:solidFill>
@@ -15785,7 +15790,7 @@
                 <a:latin typeface="Arial"/>
                 <a:ea typeface="Arial"/>
               </a:rPr>
-              <a:t>‹Nr.›</a:t>
+              <a:t>‹#›</a:t>
             </a:fld>
             <a:endParaRPr lang="de-DE" sz="1000" b="0" strike="noStrike" spc="-1">
               <a:solidFill>
@@ -16401,7 +16406,7 @@
                 <a:latin typeface="Arial"/>
                 <a:ea typeface="Arial"/>
               </a:rPr>
-              <a:t>‹Nr.›</a:t>
+              <a:t>‹#›</a:t>
             </a:fld>
             <a:endParaRPr lang="de-DE" sz="1000" b="0" strike="noStrike" spc="-1">
               <a:solidFill>
@@ -17201,7 +17206,7 @@
                 <a:latin typeface="Arial"/>
                 <a:ea typeface="Arial"/>
               </a:rPr>
-              <a:t>‹Nr.›</a:t>
+              <a:t>‹#›</a:t>
             </a:fld>
             <a:endParaRPr lang="de-DE" sz="1000" b="0" strike="noStrike" spc="-1">
               <a:solidFill>
@@ -17633,7 +17638,7 @@
                 <a:latin typeface="Arial"/>
                 <a:ea typeface="Arial"/>
               </a:rPr>
-              <a:t>‹Nr.›</a:t>
+              <a:t>‹#›</a:t>
             </a:fld>
             <a:endParaRPr lang="de-DE" sz="1000" b="0" strike="noStrike" spc="-1">
               <a:solidFill>
@@ -18249,7 +18254,7 @@
                 <a:latin typeface="Arial"/>
                 <a:ea typeface="Arial"/>
               </a:rPr>
-              <a:t>‹Nr.›</a:t>
+              <a:t>‹#›</a:t>
             </a:fld>
             <a:endParaRPr lang="de-DE" sz="1000" b="0" strike="noStrike" spc="-1">
               <a:solidFill>
@@ -18681,7 +18686,7 @@
                 <a:latin typeface="Arial"/>
                 <a:ea typeface="Arial"/>
               </a:rPr>
-              <a:t>‹Nr.›</a:t>
+              <a:t>‹#›</a:t>
             </a:fld>
             <a:endParaRPr lang="de-DE" sz="1000" b="0" strike="noStrike" spc="-1">
               <a:solidFill>
@@ -19779,14 +19784,14 @@
           <p:nvPr>
             <p:extLst>
               <p:ext uri="{D42A27DB-BD31-4B8C-83A1-F6EECF244321}">
-                <p14:modId xmlns:p14="http://schemas.microsoft.com/office/powerpoint/2010/main" val="3489886180"/>
+                <p14:modId xmlns:p14="http://schemas.microsoft.com/office/powerpoint/2010/main" val="3088743420"/>
               </p:ext>
             </p:extLst>
           </p:nvPr>
         </p:nvGraphicFramePr>
         <p:xfrm>
           <a:off x="361800" y="945360"/>
-          <a:ext cx="8419680" cy="4665360"/>
+          <a:ext cx="8419680" cy="4590120"/>
         </p:xfrm>
         <a:graphic>
           <a:graphicData uri="http://schemas.openxmlformats.org/drawingml/2006/table">
@@ -19932,19 +19937,14 @@
                         </a:tabLst>
                       </a:pPr>
                       <a:r>
-                        <a:rPr lang="de" sz="1400" b="0" strike="noStrike" spc="-1" dirty="0">
+                        <a:rPr lang="de-DE" sz="1400" b="0" strike="noStrike" spc="-1" dirty="0">
                           <a:solidFill>
-                            <a:schemeClr val="dk1"/>
+                            <a:srgbClr val="000000"/>
                           </a:solidFill>
+                          <a:latin typeface="Arial"/>
                         </a:rPr>
-                        <a:t>What makes them different</a:t>
+                        <a:t>Wird sehr schnell sehr hibbelig und (positiv) aufgeregt</a:t>
                       </a:r>
-                      <a:endParaRPr lang="de-DE" sz="1400" b="0" strike="noStrike" spc="-1" dirty="0">
-                        <a:solidFill>
-                          <a:srgbClr val="000000"/>
-                        </a:solidFill>
-                        <a:latin typeface="Arial"/>
-                      </a:endParaRPr>
                     </a:p>
                   </a:txBody>
                   <a:tcPr/>
@@ -20063,19 +20063,14 @@
                         </a:tabLst>
                       </a:pPr>
                       <a:r>
-                        <a:rPr lang="de" sz="1400" b="0" strike="noStrike" spc="-1" dirty="0">
+                        <a:rPr lang="de-DE" sz="1400" b="0" strike="noStrike" spc="-1" dirty="0">
                           <a:solidFill>
-                            <a:schemeClr val="dk1"/>
+                            <a:srgbClr val="000000"/>
                           </a:solidFill>
+                          <a:latin typeface="Arial"/>
                         </a:rPr>
-                        <a:t>Something mysterious about them (can be silly) </a:t>
+                        <a:t>Lieblingssnack: Regenbogen-Buntstift</a:t>
                       </a:r>
-                      <a:endParaRPr lang="de-DE" sz="1400" b="0" strike="noStrike" spc="-1" dirty="0">
-                        <a:solidFill>
-                          <a:srgbClr val="000000"/>
-                        </a:solidFill>
-                        <a:latin typeface="Arial"/>
-                      </a:endParaRPr>
                     </a:p>
                   </a:txBody>
                   <a:tcPr/>
@@ -20410,14 +20405,62 @@
                         </a:tabLst>
                       </a:pPr>
                       <a:r>
-                        <a:rPr lang="en-GB" sz="1400" b="0" strike="noStrike" spc="-1">
+                        <a:rPr lang="en-GB" sz="1400" b="0" strike="noStrike" spc="-1" dirty="0">
                           <a:solidFill>
                             <a:schemeClr val="dk1"/>
                           </a:solidFill>
                         </a:rPr>
-                        <a:t>Positive Energiequelle, inspirierend</a:t>
+                        <a:t>Positive </a:t>
                       </a:r>
-                      <a:endParaRPr lang="de-DE" sz="1400" b="0" strike="noStrike" spc="-1">
+                      <a:r>
+                        <a:rPr lang="en-GB" sz="1400" b="0" strike="noStrike" spc="-1" dirty="0" err="1">
+                          <a:solidFill>
+                            <a:schemeClr val="dk1"/>
+                          </a:solidFill>
+                        </a:rPr>
+                        <a:t>Energiequelle</a:t>
+                      </a:r>
+                      <a:r>
+                        <a:rPr lang="en-GB" sz="1400" b="0" strike="noStrike" spc="-1" dirty="0">
+                          <a:solidFill>
+                            <a:schemeClr val="dk1"/>
+                          </a:solidFill>
+                        </a:rPr>
+                        <a:t>, </a:t>
+                      </a:r>
+                      <a:r>
+                        <a:rPr lang="en-GB" sz="1400" b="0" strike="noStrike" spc="-1" dirty="0" err="1">
+                          <a:solidFill>
+                            <a:schemeClr val="dk1"/>
+                          </a:solidFill>
+                        </a:rPr>
+                        <a:t>inspirierend</a:t>
+                      </a:r>
+                      <a:r>
+                        <a:rPr lang="en-GB" sz="1400" b="0" strike="noStrike" spc="-1" dirty="0">
+                          <a:solidFill>
+                            <a:schemeClr val="dk1"/>
+                          </a:solidFill>
+                        </a:rPr>
+                        <a:t>, </a:t>
+                      </a:r>
+                      <a:r>
+                        <a:rPr lang="en-GB" sz="1400" b="0" strike="noStrike" spc="-1" dirty="0" err="1">
+                          <a:solidFill>
+                            <a:schemeClr val="dk1"/>
+                          </a:solidFill>
+                        </a:rPr>
+                        <a:t>liebt</a:t>
+                      </a:r>
+                      <a:r>
+                        <a:rPr lang="en-GB" sz="1400" b="0" strike="noStrike" spc="-1" dirty="0">
+                          <a:solidFill>
+                            <a:schemeClr val="dk1"/>
+                          </a:solidFill>
+                        </a:rPr>
+                        <a:t> overstimulation</a:t>
+                      </a:r>
+                      <a:endParaRPr lang="de-DE" sz="1400" b="0" strike="noStrike" spc="-1" dirty="0">
                         <a:solidFill>
                           <a:srgbClr val="000000"/>
                         </a:solidFill>
